--- a/ch.bfh.bti7081.s2013.yellow/doc/cs1_task14/cs01_task14_final_presentation.pptx
+++ b/ch.bfh.bti7081.s2013.yellow/doc/cs1_task14/cs01_task14_final_presentation.pptx
@@ -5,17 +5,18 @@
     <p:sldMasterId id="2147483816" r:id="rId1"/>
   </p:sldMasterIdLst>
   <p:notesMasterIdLst>
-    <p:notesMasterId r:id="rId10"/>
+    <p:notesMasterId r:id="rId11"/>
   </p:notesMasterIdLst>
   <p:sldIdLst>
     <p:sldId id="256" r:id="rId2"/>
     <p:sldId id="259" r:id="rId3"/>
-    <p:sldId id="260" r:id="rId4"/>
-    <p:sldId id="261" r:id="rId5"/>
-    <p:sldId id="262" r:id="rId6"/>
-    <p:sldId id="263" r:id="rId7"/>
-    <p:sldId id="264" r:id="rId8"/>
-    <p:sldId id="265" r:id="rId9"/>
+    <p:sldId id="266" r:id="rId4"/>
+    <p:sldId id="260" r:id="rId5"/>
+    <p:sldId id="261" r:id="rId6"/>
+    <p:sldId id="262" r:id="rId7"/>
+    <p:sldId id="263" r:id="rId8"/>
+    <p:sldId id="264" r:id="rId9"/>
+    <p:sldId id="265" r:id="rId10"/>
   </p:sldIdLst>
   <p:sldSz cx="9144000" cy="6858000" type="screen4x3"/>
   <p:notesSz cx="6858000" cy="9144000"/>
@@ -199,7 +200,7 @@
           <a:p>
             <a:fld id="{39560C0F-CB4C-4670-81CE-F5EF3BBB5EC5}" type="datetimeFigureOut">
               <a:rPr lang="de-CH" smtClean="0"/>
-              <a:t>10.06.2013</a:t>
+              <a:t>12.06.2013</a:t>
             </a:fld>
             <a:endParaRPr lang="de-CH"/>
           </a:p>
@@ -4055,7 +4056,6 @@
               <a:rPr lang="de-CH" dirty="0" smtClean="0"/>
               <a:t>14.06.2013</a:t>
             </a:r>
-            <a:endParaRPr lang="de-CH" dirty="0" smtClean="0"/>
           </a:p>
         </p:txBody>
       </p:sp>
@@ -4078,15 +4078,7 @@
           <a:p>
             <a:r>
               <a:rPr lang="de-CH" sz="4400" dirty="0" smtClean="0"/>
-              <a:t>Präsentation CS1 Task </a:t>
-            </a:r>
-            <a:r>
-              <a:rPr lang="de-CH" sz="4400" dirty="0" smtClean="0"/>
-              <a:t>14</a:t>
-            </a:r>
-            <a:r>
-              <a:rPr lang="de-CH" sz="4400" dirty="0" smtClean="0"/>
-              <a:t/>
+              <a:t>Präsentation CS1 Task 14</a:t>
             </a:r>
             <a:br>
               <a:rPr lang="de-CH" sz="4400" dirty="0" smtClean="0"/>
@@ -4153,7 +4145,7 @@
           <a:p>
             <a:r>
               <a:rPr lang="de-CH" dirty="0" smtClean="0"/>
-              <a:t>Storyboard</a:t>
+              <a:t>Storyboard - Übersicht</a:t>
             </a:r>
             <a:endParaRPr lang="de-CH" dirty="0"/>
           </a:p>
@@ -4221,6 +4213,43 @@
           <a:bodyPr/>
           <a:lstStyle/>
           <a:p>
+            <a:r>
+              <a:rPr lang="de-CH" dirty="0" smtClean="0"/>
+              <a:t>Order – Nurse/Doctor können Bestellungen aufgeben, Apotheker bearbeitet diese</a:t>
+            </a:r>
+          </a:p>
+          <a:p>
+            <a:r>
+              <a:rPr lang="de-CH" dirty="0" smtClean="0"/>
+              <a:t>Analysis – Auswertungen von Umfragen</a:t>
+            </a:r>
+          </a:p>
+          <a:p>
+            <a:r>
+              <a:rPr lang="de-CH" dirty="0" smtClean="0"/>
+              <a:t>AlarmSystem/Notification – Notification an Patienten/Ärzte</a:t>
+            </a:r>
+          </a:p>
+          <a:p>
+            <a:r>
+              <a:rPr lang="de-CH" dirty="0" smtClean="0"/>
+              <a:t>MedicamentResearch – Interface zu bestehender, externer Medikamenten-DB</a:t>
+            </a:r>
+          </a:p>
+          <a:p>
+            <a:endParaRPr lang="de-CH" dirty="0"/>
+          </a:p>
+          <a:p>
+            <a:r>
+              <a:rPr lang="de-CH" dirty="0" smtClean="0"/>
+              <a:t>=&gt; Absprache mit ProductOwner</a:t>
+            </a:r>
+          </a:p>
+          <a:p>
+            <a:r>
+              <a:rPr lang="de-CH" dirty="0" smtClean="0"/>
+              <a:t>=&gt; Entscheid für AlarmSystem/Notification</a:t>
+            </a:r>
             <a:endParaRPr lang="de-CH" dirty="0"/>
           </a:p>
         </p:txBody>
@@ -4233,7 +4262,128 @@
   <p:timing>
     <p:tnLst>
       <p:par>
-        <p:cTn id="1" dur="indefinite" restart="never" nodeType="tmRoot"/>
+        <p:cTn id="1" dur="indefinite" restart="never" nodeType="tmRoot">
+          <p:childTnLst>
+            <p:seq concurrent="1" nextAc="seek">
+              <p:cTn id="2" dur="indefinite" nodeType="mainSeq">
+                <p:childTnLst>
+                  <p:par>
+                    <p:cTn id="3" fill="hold">
+                      <p:stCondLst>
+                        <p:cond delay="indefinite"/>
+                      </p:stCondLst>
+                      <p:childTnLst>
+                        <p:par>
+                          <p:cTn id="4" fill="hold">
+                            <p:stCondLst>
+                              <p:cond delay="0"/>
+                            </p:stCondLst>
+                            <p:childTnLst>
+                              <p:par>
+                                <p:cTn id="5" presetID="1" presetClass="entr" presetSubtype="0" fill="hold" nodeType="clickEffect">
+                                  <p:stCondLst>
+                                    <p:cond delay="0"/>
+                                  </p:stCondLst>
+                                  <p:childTnLst>
+                                    <p:set>
+                                      <p:cBhvr>
+                                        <p:cTn id="6" dur="1" fill="hold">
+                                          <p:stCondLst>
+                                            <p:cond delay="0"/>
+                                          </p:stCondLst>
+                                        </p:cTn>
+                                        <p:tgtEl>
+                                          <p:spTgt spid="3">
+                                            <p:txEl>
+                                              <p:pRg st="5" end="5"/>
+                                            </p:txEl>
+                                          </p:spTgt>
+                                        </p:tgtEl>
+                                        <p:attrNameLst>
+                                          <p:attrName>style.visibility</p:attrName>
+                                        </p:attrNameLst>
+                                      </p:cBhvr>
+                                      <p:to>
+                                        <p:strVal val="visible"/>
+                                      </p:to>
+                                    </p:set>
+                                  </p:childTnLst>
+                                </p:cTn>
+                              </p:par>
+                            </p:childTnLst>
+                          </p:cTn>
+                        </p:par>
+                      </p:childTnLst>
+                    </p:cTn>
+                  </p:par>
+                  <p:par>
+                    <p:cTn id="7" fill="hold">
+                      <p:stCondLst>
+                        <p:cond delay="indefinite"/>
+                      </p:stCondLst>
+                      <p:childTnLst>
+                        <p:par>
+                          <p:cTn id="8" fill="hold">
+                            <p:stCondLst>
+                              <p:cond delay="0"/>
+                            </p:stCondLst>
+                            <p:childTnLst>
+                              <p:par>
+                                <p:cTn id="9" presetID="1" presetClass="entr" presetSubtype="0" fill="hold" nodeType="clickEffect">
+                                  <p:stCondLst>
+                                    <p:cond delay="0"/>
+                                  </p:stCondLst>
+                                  <p:childTnLst>
+                                    <p:set>
+                                      <p:cBhvr>
+                                        <p:cTn id="10" dur="1" fill="hold">
+                                          <p:stCondLst>
+                                            <p:cond delay="0"/>
+                                          </p:stCondLst>
+                                        </p:cTn>
+                                        <p:tgtEl>
+                                          <p:spTgt spid="3">
+                                            <p:txEl>
+                                              <p:pRg st="6" end="6"/>
+                                            </p:txEl>
+                                          </p:spTgt>
+                                        </p:tgtEl>
+                                        <p:attrNameLst>
+                                          <p:attrName>style.visibility</p:attrName>
+                                        </p:attrNameLst>
+                                      </p:cBhvr>
+                                      <p:to>
+                                        <p:strVal val="visible"/>
+                                      </p:to>
+                                    </p:set>
+                                  </p:childTnLst>
+                                </p:cTn>
+                              </p:par>
+                            </p:childTnLst>
+                          </p:cTn>
+                        </p:par>
+                      </p:childTnLst>
+                    </p:cTn>
+                  </p:par>
+                </p:childTnLst>
+              </p:cTn>
+              <p:prevCondLst>
+                <p:cond evt="onPrev" delay="0">
+                  <p:tgtEl>
+                    <p:sldTgt/>
+                  </p:tgtEl>
+                </p:cond>
+              </p:prevCondLst>
+              <p:nextCondLst>
+                <p:cond evt="onNext" delay="0">
+                  <p:tgtEl>
+                    <p:sldTgt/>
+                  </p:tgtEl>
+                </p:cond>
+              </p:nextCondLst>
+            </p:seq>
+          </p:childTnLst>
+        </p:cTn>
       </p:par>
     </p:tnLst>
   </p:timing>
@@ -4274,7 +4424,7 @@
           <a:p>
             <a:r>
               <a:rPr lang="de-CH" dirty="0" smtClean="0"/>
-              <a:t>Requirements</a:t>
+              <a:t>Storyboard - Prescription</a:t>
             </a:r>
             <a:endParaRPr lang="de-CH" dirty="0"/>
           </a:p>
@@ -4346,10 +4496,64 @@
           </a:p>
         </p:txBody>
       </p:sp>
+      <p:pic>
+        <p:nvPicPr>
+          <p:cNvPr id="1026" name="Picture 2"/>
+          <p:cNvPicPr>
+            <a:picLocks noChangeAspect="1" noChangeArrowheads="1"/>
+          </p:cNvPicPr>
+          <p:nvPr/>
+        </p:nvPicPr>
+        <p:blipFill>
+          <a:blip r:embed="rId2">
+            <a:extLst>
+              <a:ext uri="{28A0092B-C50C-407E-A947-70E740481C1C}">
+                <a14:useLocalDpi xmlns:a14="http://schemas.microsoft.com/office/drawing/2010/main" val="0"/>
+              </a:ext>
+            </a:extLst>
+          </a:blip>
+          <a:srcRect/>
+          <a:stretch>
+            <a:fillRect/>
+          </a:stretch>
+        </p:blipFill>
+        <p:spPr bwMode="auto">
+          <a:xfrm>
+            <a:off x="251520" y="1412776"/>
+            <a:ext cx="8630741" cy="4806445"/>
+          </a:xfrm>
+          <a:prstGeom prst="rect">
+            <a:avLst/>
+          </a:prstGeom>
+          <a:noFill/>
+          <a:ln>
+            <a:noFill/>
+          </a:ln>
+          <a:extLst>
+            <a:ext uri="{909E8E84-426E-40DD-AFC4-6F175D3DCCD1}">
+              <a14:hiddenFill xmlns:a14="http://schemas.microsoft.com/office/drawing/2010/main">
+                <a:solidFill>
+                  <a:schemeClr val="accent1"/>
+                </a:solidFill>
+              </a14:hiddenFill>
+            </a:ext>
+            <a:ext uri="{91240B29-F687-4F45-9708-019B960494DF}">
+              <a14:hiddenLine xmlns:a14="http://schemas.microsoft.com/office/drawing/2010/main" w="9525">
+                <a:solidFill>
+                  <a:schemeClr val="tx1"/>
+                </a:solidFill>
+                <a:miter lim="800000"/>
+                <a:headEnd/>
+                <a:tailEnd/>
+              </a14:hiddenLine>
+            </a:ext>
+          </a:extLst>
+        </p:spPr>
+      </p:pic>
     </p:spTree>
     <p:extLst>
       <p:ext uri="{BB962C8B-B14F-4D97-AF65-F5344CB8AC3E}">
-        <p14:creationId xmlns:p14="http://schemas.microsoft.com/office/powerpoint/2010/main" val="2851599222"/>
+        <p14:creationId xmlns:p14="http://schemas.microsoft.com/office/powerpoint/2010/main" val="1186986303"/>
       </p:ext>
     </p:extLst>
   </p:cSld>
@@ -4400,7 +4604,7 @@
           <a:p>
             <a:r>
               <a:rPr lang="de-CH" dirty="0" smtClean="0"/>
-              <a:t>Demo of prototype</a:t>
+              <a:t>Requirements</a:t>
             </a:r>
             <a:endParaRPr lang="de-CH" dirty="0"/>
           </a:p>
@@ -4468,6 +4672,10 @@
           <a:bodyPr/>
           <a:lstStyle/>
           <a:p>
+            <a:r>
+              <a:rPr lang="de-CH" dirty="0" smtClean="0"/>
+              <a:t>-&gt; Brönni</a:t>
+            </a:r>
             <a:endParaRPr lang="de-CH" dirty="0"/>
           </a:p>
         </p:txBody>
@@ -4475,7 +4683,7 @@
     </p:spTree>
     <p:extLst>
       <p:ext uri="{BB962C8B-B14F-4D97-AF65-F5344CB8AC3E}">
-        <p14:creationId xmlns:p14="http://schemas.microsoft.com/office/powerpoint/2010/main" val="4075574841"/>
+        <p14:creationId xmlns:p14="http://schemas.microsoft.com/office/powerpoint/2010/main" val="2851599222"/>
       </p:ext>
     </p:extLst>
   </p:cSld>
@@ -4526,7 +4734,7 @@
           <a:p>
             <a:r>
               <a:rPr lang="de-CH" dirty="0" smtClean="0"/>
-              <a:t>Implementation details</a:t>
+              <a:t>Demo of prototype</a:t>
             </a:r>
             <a:endParaRPr lang="de-CH" dirty="0"/>
           </a:p>
@@ -4596,7 +4804,7 @@
           <a:p>
             <a:r>
               <a:rPr lang="de-CH" dirty="0" smtClean="0"/>
-              <a:t>Class-Model</a:t>
+              <a:t>-&gt; Joschi&amp;böbu</a:t>
             </a:r>
             <a:endParaRPr lang="de-CH" dirty="0"/>
           </a:p>
@@ -4605,7 +4813,7 @@
     </p:spTree>
     <p:extLst>
       <p:ext uri="{BB962C8B-B14F-4D97-AF65-F5344CB8AC3E}">
-        <p14:creationId xmlns:p14="http://schemas.microsoft.com/office/powerpoint/2010/main" val="3785282488"/>
+        <p14:creationId xmlns:p14="http://schemas.microsoft.com/office/powerpoint/2010/main" val="4075574841"/>
       </p:ext>
     </p:extLst>
   </p:cSld>
@@ -4726,7 +4934,7 @@
           <a:p>
             <a:r>
               <a:rPr lang="de-CH" dirty="0" smtClean="0"/>
-              <a:t>Patterns used</a:t>
+              <a:t>Class-Model -&gt; Joschi</a:t>
             </a:r>
             <a:endParaRPr lang="de-CH" dirty="0"/>
           </a:p>
@@ -4735,7 +4943,7 @@
     </p:spTree>
     <p:extLst>
       <p:ext uri="{BB962C8B-B14F-4D97-AF65-F5344CB8AC3E}">
-        <p14:creationId xmlns:p14="http://schemas.microsoft.com/office/powerpoint/2010/main" val="1556199743"/>
+        <p14:creationId xmlns:p14="http://schemas.microsoft.com/office/powerpoint/2010/main" val="3785282488"/>
       </p:ext>
     </p:extLst>
   </p:cSld>
@@ -4856,7 +5064,11 @@
           <a:p>
             <a:r>
               <a:rPr lang="de-CH" dirty="0" smtClean="0"/>
-              <a:t>UML-Model</a:t>
+              <a:t>Patterns </a:t>
+            </a:r>
+            <a:r>
+              <a:rPr lang="de-CH" dirty="0" smtClean="0"/>
+              <a:t>used -&gt; Böbu</a:t>
             </a:r>
             <a:endParaRPr lang="de-CH" dirty="0"/>
           </a:p>
@@ -4865,7 +5077,7 @@
     </p:spTree>
     <p:extLst>
       <p:ext uri="{BB962C8B-B14F-4D97-AF65-F5344CB8AC3E}">
-        <p14:creationId xmlns:p14="http://schemas.microsoft.com/office/powerpoint/2010/main" val="3305637360"/>
+        <p14:creationId xmlns:p14="http://schemas.microsoft.com/office/powerpoint/2010/main" val="1556199743"/>
       </p:ext>
     </p:extLst>
   </p:cSld>
@@ -4916,7 +5128,7 @@
           <a:p>
             <a:r>
               <a:rPr lang="de-CH" dirty="0" smtClean="0"/>
-              <a:t>Scrum process</a:t>
+              <a:t>Implementation details</a:t>
             </a:r>
             <a:endParaRPr lang="de-CH" dirty="0"/>
           </a:p>
@@ -4984,6 +5196,140 @@
           <a:bodyPr/>
           <a:lstStyle/>
           <a:p>
+            <a:r>
+              <a:rPr lang="de-CH" dirty="0" smtClean="0"/>
+              <a:t>UML-Model</a:t>
+            </a:r>
+            <a:endParaRPr lang="de-CH" dirty="0"/>
+          </a:p>
+        </p:txBody>
+      </p:sp>
+    </p:spTree>
+    <p:extLst>
+      <p:ext uri="{BB962C8B-B14F-4D97-AF65-F5344CB8AC3E}">
+        <p14:creationId xmlns:p14="http://schemas.microsoft.com/office/powerpoint/2010/main" val="3305637360"/>
+      </p:ext>
+    </p:extLst>
+  </p:cSld>
+  <p:clrMapOvr>
+    <a:masterClrMapping/>
+  </p:clrMapOvr>
+  <p:timing>
+    <p:tnLst>
+      <p:par>
+        <p:cTn id="1" dur="indefinite" restart="never" nodeType="tmRoot"/>
+      </p:par>
+    </p:tnLst>
+  </p:timing>
+</p:sld>
+</file>
+
+<file path=ppt/slides/slide9.xml><?xml version="1.0" encoding="utf-8"?>
+<p:sld xmlns:a="http://schemas.openxmlformats.org/drawingml/2006/main" xmlns:r="http://schemas.openxmlformats.org/officeDocument/2006/relationships" xmlns:p="http://schemas.openxmlformats.org/presentationml/2006/main">
+  <p:cSld>
+    <p:spTree>
+      <p:nvGrpSpPr>
+        <p:cNvPr id="1" name=""/>
+        <p:cNvGrpSpPr/>
+        <p:nvPr/>
+      </p:nvGrpSpPr>
+      <p:grpSpPr>
+        <a:xfrm>
+          <a:off x="0" y="0"/>
+          <a:ext cx="0" cy="0"/>
+          <a:chOff x="0" y="0"/>
+          <a:chExt cx="0" cy="0"/>
+        </a:xfrm>
+      </p:grpSpPr>
+      <p:sp>
+        <p:nvSpPr>
+          <p:cNvPr id="2" name="Titel 1"/>
+          <p:cNvSpPr>
+            <a:spLocks noGrp="1"/>
+          </p:cNvSpPr>
+          <p:nvPr>
+            <p:ph type="title"/>
+          </p:nvPr>
+        </p:nvSpPr>
+        <p:spPr/>
+        <p:txBody>
+          <a:bodyPr/>
+          <a:lstStyle/>
+          <a:p>
+            <a:r>
+              <a:rPr lang="de-CH" dirty="0" smtClean="0"/>
+              <a:t>Scrum process</a:t>
+            </a:r>
+            <a:endParaRPr lang="de-CH" dirty="0"/>
+          </a:p>
+        </p:txBody>
+      </p:sp>
+      <p:sp>
+        <p:nvSpPr>
+          <p:cNvPr id="4" name="Datumsplatzhalter 3"/>
+          <p:cNvSpPr>
+            <a:spLocks noGrp="1"/>
+          </p:cNvSpPr>
+          <p:nvPr>
+            <p:ph type="dt" sz="half" idx="10"/>
+          </p:nvPr>
+        </p:nvSpPr>
+        <p:spPr/>
+        <p:txBody>
+          <a:bodyPr/>
+          <a:lstStyle/>
+          <a:p>
+            <a:r>
+              <a:rPr lang="de-CH" dirty="0" smtClean="0"/>
+              <a:t>14.06.2013</a:t>
+            </a:r>
+            <a:endParaRPr lang="de-CH" dirty="0"/>
+          </a:p>
+        </p:txBody>
+      </p:sp>
+      <p:sp>
+        <p:nvSpPr>
+          <p:cNvPr id="5" name="Foliennummernplatzhalter 4"/>
+          <p:cNvSpPr>
+            <a:spLocks noGrp="1"/>
+          </p:cNvSpPr>
+          <p:nvPr>
+            <p:ph type="sldNum" sz="quarter" idx="12"/>
+          </p:nvPr>
+        </p:nvSpPr>
+        <p:spPr/>
+        <p:txBody>
+          <a:bodyPr/>
+          <a:lstStyle/>
+          <a:p>
+            <a:fld id="{66EF974D-2837-4CD3-A9E8-F64F1017B155}" type="slidenum">
+              <a:rPr lang="de-CH" smtClean="0"/>
+              <a:pPr/>
+              <a:t>9</a:t>
+            </a:fld>
+            <a:endParaRPr lang="de-CH"/>
+          </a:p>
+        </p:txBody>
+      </p:sp>
+      <p:sp>
+        <p:nvSpPr>
+          <p:cNvPr id="3" name="Inhaltsplatzhalter 2"/>
+          <p:cNvSpPr>
+            <a:spLocks noGrp="1"/>
+          </p:cNvSpPr>
+          <p:nvPr>
+            <p:ph sz="quarter" idx="1"/>
+          </p:nvPr>
+        </p:nvSpPr>
+        <p:spPr/>
+        <p:txBody>
+          <a:bodyPr/>
+          <a:lstStyle/>
+          <a:p>
+            <a:r>
+              <a:rPr lang="de-CH" dirty="0" smtClean="0"/>
+              <a:t>-&gt; Hutzli</a:t>
+            </a:r>
             <a:endParaRPr lang="de-CH" dirty="0"/>
           </a:p>
         </p:txBody>
